--- a/docs/presentations/rocm_sdk_builder.pptx
+++ b/docs/presentations/rocm_sdk_builder.pptx
@@ -151,7 +151,7 @@
         <p:txBody>
           <a:bodyPr/>
           <a:p>
-            <a:fld id="{39D1DE1E-D9D7-49F9-ACFE-3B8E4892CBE3}" type="slidenum">
+            <a:fld id="{5F25FF93-2E0C-4885-8E4E-042637327225}" type="slidenum">
               <a:t>&lt;#&gt;</a:t>
             </a:fld>
           </a:p>
@@ -314,7 +314,7 @@
         <p:txBody>
           <a:bodyPr/>
           <a:p>
-            <a:fld id="{43BA8C73-424A-414A-9C91-1F90E0A0AC0F}" type="slidenum">
+            <a:fld id="{51F9087E-211D-4F60-B351-D5E4224277C7}" type="slidenum">
               <a:t>&lt;#&gt;</a:t>
             </a:fld>
           </a:p>
@@ -401,7 +401,52 @@
                 </a:solidFill>
                 <a:latin typeface="Arial"/>
               </a:rPr>
-              <a:t>Click to edit the title text format</a:t>
+              <a:t>Click </a:t>
+            </a:r>
+            <a:r>
+              <a:rPr b="0" lang="en-US" sz="4400" spc="-1" strike="noStrike">
+                <a:solidFill>
+                  <a:srgbClr val="000000"/>
+                </a:solidFill>
+                <a:latin typeface="Arial"/>
+              </a:rPr>
+              <a:t>to edit </a:t>
+            </a:r>
+            <a:r>
+              <a:rPr b="0" lang="en-US" sz="4400" spc="-1" strike="noStrike">
+                <a:solidFill>
+                  <a:srgbClr val="000000"/>
+                </a:solidFill>
+                <a:latin typeface="Arial"/>
+              </a:rPr>
+              <a:t>the </a:t>
+            </a:r>
+            <a:r>
+              <a:rPr b="0" lang="en-US" sz="4400" spc="-1" strike="noStrike">
+                <a:solidFill>
+                  <a:srgbClr val="000000"/>
+                </a:solidFill>
+                <a:latin typeface="Arial"/>
+              </a:rPr>
+              <a:t>title </a:t>
+            </a:r>
+            <a:r>
+              <a:rPr b="0" lang="en-US" sz="4400" spc="-1" strike="noStrike">
+                <a:solidFill>
+                  <a:srgbClr val="000000"/>
+                </a:solidFill>
+                <a:latin typeface="Arial"/>
+              </a:rPr>
+              <a:t>text </a:t>
+            </a:r>
+            <a:r>
+              <a:rPr b="0" lang="en-US" sz="4400" spc="-1" strike="noStrike">
+                <a:solidFill>
+                  <a:srgbClr val="000000"/>
+                </a:solidFill>
+                <a:latin typeface="Arial"/>
+              </a:rPr>
+              <a:t>format</a:t>
             </a:r>
             <a:endParaRPr b="0" lang="en-US" sz="4400" spc="-1" strike="noStrike">
               <a:solidFill>
@@ -799,7 +844,7 @@
             <a:pPr indent="0" algn="r">
               <a:buNone/>
             </a:pPr>
-            <a:fld id="{80D99A62-8BCC-4C79-A423-B42493D1D138}" type="slidenum">
+            <a:fld id="{389AF6FF-EFC3-4CB8-80DF-067094C537C0}" type="slidenum">
               <a:rPr b="0" lang="en-US" sz="1400" spc="-1" strike="noStrike">
                 <a:solidFill>
                   <a:srgbClr val="000000"/>
@@ -882,7 +927,34 @@
                 </a:solidFill>
                 <a:latin typeface="Arial"/>
               </a:rPr>
-              <a:t>ROCM SDK Builder Framework</a:t>
+              <a:t>ROCM </a:t>
+            </a:r>
+            <a:r>
+              <a:rPr b="0" lang="en-US" sz="4000" spc="-1" strike="noStrike">
+                <a:solidFill>
+                  <a:srgbClr val="000000"/>
+                </a:solidFill>
+                <a:latin typeface="Arial"/>
+              </a:rPr>
+              <a:t>SDK </a:t>
+            </a:r>
+            <a:r>
+              <a:rPr b="0" lang="en-US" sz="4000" spc="-1" strike="noStrike">
+                <a:solidFill>
+                  <a:srgbClr val="000000"/>
+                </a:solidFill>
+                <a:latin typeface="Arial"/>
+              </a:rPr>
+              <a:t>Builder </a:t>
+            </a:r>
+            <a:r>
+              <a:rPr b="0" lang="en-US" sz="4000" spc="-1" strike="noStrike">
+                <a:solidFill>
+                  <a:srgbClr val="000000"/>
+                </a:solidFill>
+                <a:latin typeface="Arial"/>
+              </a:rPr>
+              <a:t>Framework</a:t>
             </a:r>
             <a:endParaRPr b="0" lang="en-US" sz="4000" spc="-1" strike="noStrike">
               <a:solidFill>
@@ -907,9 +979,17 @@
           <a:prstGeom prst="rect">
             <a:avLst/>
           </a:prstGeom>
-          <a:solidFill>
-            <a:srgbClr val="ffffff"/>
-          </a:solidFill>
+          <a:gradFill rotWithShape="0">
+            <a:gsLst>
+              <a:gs pos="0">
+                <a:srgbClr val="dde8cb"/>
+              </a:gs>
+              <a:gs pos="100000">
+                <a:srgbClr val="b3cac7"/>
+              </a:gs>
+            </a:gsLst>
+            <a:lin ang="3600000"/>
+          </a:gradFill>
           <a:ln w="0">
             <a:solidFill>
               <a:srgbClr val="3465a4"/>
@@ -935,7 +1015,7 @@
                 </a:solidFill>
                 <a:latin typeface="Arial"/>
               </a:rPr>
-              <a:t>Rocm SDK Builder Build Management</a:t>
+              <a:t>Build Management</a:t>
             </a:r>
             <a:endParaRPr b="1" lang="en-US" sz="1800" spc="-1" strike="noStrike">
               <a:solidFill>
@@ -960,9 +1040,17 @@
           <a:prstGeom prst="rect">
             <a:avLst/>
           </a:prstGeom>
-          <a:solidFill>
-            <a:srgbClr val="ffffff"/>
-          </a:solidFill>
+          <a:gradFill rotWithShape="0">
+            <a:gsLst>
+              <a:gs pos="0">
+                <a:srgbClr val="dde8cb"/>
+              </a:gs>
+              <a:gs pos="100000">
+                <a:srgbClr val="b3cac7"/>
+              </a:gs>
+            </a:gsLst>
+            <a:lin ang="3600000"/>
+          </a:gradFill>
           <a:ln w="0">
             <a:solidFill>
               <a:srgbClr val="3465a4"/>
@@ -988,7 +1076,7 @@
                 </a:solidFill>
                 <a:latin typeface="Arial"/>
               </a:rPr>
-              <a:t>ROCM SDK Builder Runtime</a:t>
+              <a:t>Runtime</a:t>
             </a:r>
             <a:endParaRPr b="1" lang="en-US" sz="1800" spc="-1" strike="noStrike">
               <a:solidFill>
@@ -1059,7 +1147,25 @@
                 </a:solidFill>
                 <a:latin typeface="Arial"/>
               </a:rPr>
-              <a:t>repository, version and patch management</a:t>
+              <a:t>repository, version </a:t>
+            </a:r>
+            <a:r>
+              <a:rPr b="0" lang="en-US" sz="1400" spc="-1" strike="noStrike">
+                <a:solidFill>
+                  <a:srgbClr val="000000"/>
+                </a:solidFill>
+                <a:latin typeface="Arial"/>
+              </a:rPr>
+              <a:t>and patch </a:t>
+            </a:r>
+            <a:r>
+              <a:rPr b="0" lang="en-US" sz="1400" spc="-1" strike="noStrike">
+                <a:solidFill>
+                  <a:srgbClr val="000000"/>
+                </a:solidFill>
+                <a:latin typeface="Arial"/>
+              </a:rPr>
+              <a:t>management</a:t>
             </a:r>
             <a:endParaRPr b="0" lang="en-US" sz="1400" spc="-1" strike="noStrike">
               <a:solidFill>
@@ -1139,7 +1245,16 @@
                 </a:solidFill>
                 <a:latin typeface="Arial"/>
               </a:rPr>
-              <a:t>default or custom settings</a:t>
+              <a:t>default or custom </a:t>
+            </a:r>
+            <a:r>
+              <a:rPr b="0" lang="en-US" sz="1400" spc="-1" strike="noStrike">
+                <a:solidFill>
+                  <a:srgbClr val="000000"/>
+                </a:solidFill>
+                <a:latin typeface="Arial"/>
+              </a:rPr>
+              <a:t>settings</a:t>
             </a:r>
             <a:endParaRPr b="0" lang="en-US" sz="1400" spc="-1" strike="noStrike">
               <a:solidFill>
@@ -1263,7 +1378,16 @@
                 </a:solidFill>
                 <a:latin typeface="Arial"/>
               </a:rPr>
-              <a:t>Install and Runtime</a:t>
+              <a:t>Install and </a:t>
+            </a:r>
+            <a:r>
+              <a:rPr b="1" lang="en-US" sz="1800" spc="-1" strike="noStrike">
+                <a:solidFill>
+                  <a:srgbClr val="000000"/>
+                </a:solidFill>
+                <a:latin typeface="Arial"/>
+              </a:rPr>
+              <a:t>Runtime</a:t>
             </a:r>
             <a:endParaRPr b="0" lang="en-US" sz="1800" spc="-1" strike="noStrike">
               <a:solidFill>
@@ -1303,7 +1427,16 @@
                 </a:solidFill>
                 <a:latin typeface="Arial"/>
               </a:rPr>
-              <a:t>- OS library overrides</a:t>
+              <a:t>- OS library </a:t>
+            </a:r>
+            <a:r>
+              <a:rPr b="0" lang="en-US" sz="1400" spc="-1" strike="noStrike">
+                <a:solidFill>
+                  <a:srgbClr val="000000"/>
+                </a:solidFill>
+                <a:latin typeface="Arial"/>
+              </a:rPr>
+              <a:t>overrides</a:t>
             </a:r>
             <a:endParaRPr b="0" lang="en-US" sz="1400" spc="-1" strike="noStrike">
               <a:solidFill>
@@ -2153,70 +2286,29 @@
       </p:grpSpPr>
       <p:sp>
         <p:nvSpPr>
-          <p:cNvPr id="28" name="PlaceHolder 1"/>
-          <p:cNvSpPr>
-            <a:spLocks noGrp="1"/>
-          </p:cNvSpPr>
-          <p:nvPr>
-            <p:ph type="title"/>
-          </p:nvPr>
-        </p:nvSpPr>
-        <p:spPr>
-          <a:xfrm>
-            <a:off x="504000" y="226080"/>
-            <a:ext cx="9071640" cy="946440"/>
-          </a:xfrm>
-          <a:prstGeom prst="rect">
-            <a:avLst/>
-          </a:prstGeom>
-          <a:noFill/>
-          <a:ln w="0">
-            <a:noFill/>
-          </a:ln>
-        </p:spPr>
-        <p:txBody>
-          <a:bodyPr lIns="0" rIns="0" tIns="0" bIns="0" anchor="ctr">
-            <a:noAutofit/>
-          </a:bodyPr>
-          <a:p>
-            <a:pPr indent="0" algn="ctr">
-              <a:buNone/>
-            </a:pPr>
-            <a:r>
-              <a:rPr b="0" lang="en-US" sz="4400" spc="-1" strike="noStrike">
-                <a:solidFill>
-                  <a:srgbClr val="000000"/>
-                </a:solidFill>
-                <a:latin typeface="Arial"/>
-              </a:rPr>
-              <a:t>ROCM SDK Builder Runtime</a:t>
-            </a:r>
-            <a:endParaRPr b="0" lang="en-US" sz="4400" spc="-1" strike="noStrike">
-              <a:solidFill>
-                <a:srgbClr val="000000"/>
-              </a:solidFill>
-              <a:latin typeface="Arial"/>
-            </a:endParaRPr>
-          </a:p>
-        </p:txBody>
-      </p:sp>
-      <p:sp>
-        <p:nvSpPr>
-          <p:cNvPr id="29" name=""/>
+          <p:cNvPr id="28" name=""/>
           <p:cNvSpPr/>
           <p:nvPr/>
         </p:nvSpPr>
         <p:spPr>
-          <a:xfrm>
-            <a:off x="457200" y="4536000"/>
-            <a:ext cx="6629400" cy="950400"/>
-          </a:xfrm>
-          <a:prstGeom prst="rect">
-            <a:avLst/>
-          </a:prstGeom>
-          <a:solidFill>
-            <a:srgbClr val="ffffff"/>
-          </a:solidFill>
+          <a:xfrm rot="16200000">
+            <a:off x="3145320" y="-1087920"/>
+            <a:ext cx="3767400" cy="9601200"/>
+          </a:xfrm>
+          <a:prstGeom prst="rect">
+            <a:avLst/>
+          </a:prstGeom>
+          <a:gradFill rotWithShape="0">
+            <a:gsLst>
+              <a:gs pos="0">
+                <a:srgbClr val="dde8cb"/>
+              </a:gs>
+              <a:gs pos="100000">
+                <a:srgbClr val="b3cac7"/>
+              </a:gs>
+            </a:gsLst>
+            <a:lin ang="3600000"/>
+          </a:gradFill>
           <a:ln w="0">
             <a:solidFill>
               <a:srgbClr val="3465a4"/>
@@ -2234,7 +2326,14 @@
             <a:noAutofit/>
           </a:bodyPr>
           <a:p>
-            <a:pPr algn="ctr"/>
+            <a:pPr algn="ctr">
+              <a:spcBef>
+                <a:spcPts val="567"/>
+              </a:spcBef>
+              <a:spcAft>
+                <a:spcPts val="567"/>
+              </a:spcAft>
+            </a:pPr>
             <a:r>
               <a:rPr b="1" lang="en-US" sz="1800" spc="-1" strike="noStrike">
                 <a:solidFill>
@@ -2242,54 +2341,36 @@
                 </a:solidFill>
                 <a:latin typeface="Arial"/>
               </a:rPr>
-              <a:t>Compilers</a:t>
-            </a:r>
-            <a:endParaRPr b="0" lang="en-US" sz="1800" spc="-1" strike="noStrike">
-              <a:solidFill>
-                <a:srgbClr val="000000"/>
-              </a:solidFill>
-              <a:latin typeface="Arial"/>
-            </a:endParaRPr>
-          </a:p>
-          <a:p>
-            <a:pPr algn="ctr"/>
-            <a:endParaRPr b="0" lang="en-US" sz="1800" spc="-1" strike="noStrike">
-              <a:solidFill>
-                <a:srgbClr val="000000"/>
-              </a:solidFill>
-              <a:latin typeface="Arial"/>
-            </a:endParaRPr>
-          </a:p>
-          <a:p>
-            <a:pPr algn="ctr"/>
-            <a:r>
-              <a:rPr b="0" lang="en-US" sz="1800" spc="-1" strike="noStrike">
-                <a:solidFill>
-                  <a:srgbClr val="000000"/>
-                </a:solidFill>
-                <a:latin typeface="Arial"/>
-              </a:rPr>
-              <a:t>ROCm llvm/clang, ROCm HIPCC, OpenAi Triton, Flang</a:t>
-            </a:r>
-            <a:endParaRPr b="0" lang="en-US" sz="1800" spc="-1" strike="noStrike">
-              <a:solidFill>
-                <a:srgbClr val="000000"/>
-              </a:solidFill>
-              <a:latin typeface="Arial"/>
-            </a:endParaRPr>
-          </a:p>
-        </p:txBody>
-      </p:sp>
-      <p:sp>
-        <p:nvSpPr>
-          <p:cNvPr id="30" name=""/>
+              <a:t>CORE APPS </a:t>
+            </a:r>
+            <a:r>
+              <a:rPr b="1" lang="en-US" sz="1800" spc="-1" strike="noStrike">
+                <a:solidFill>
+                  <a:srgbClr val="000000"/>
+                </a:solidFill>
+                <a:latin typeface="Arial"/>
+              </a:rPr>
+              <a:t>AND LIBS</a:t>
+            </a:r>
+            <a:endParaRPr b="1" lang="en-US" sz="1800" spc="-1" strike="noStrike">
+              <a:solidFill>
+                <a:srgbClr val="000000"/>
+              </a:solidFill>
+              <a:latin typeface="Arial"/>
+            </a:endParaRPr>
+          </a:p>
+        </p:txBody>
+      </p:sp>
+      <p:sp>
+        <p:nvSpPr>
+          <p:cNvPr id="29" name=""/>
           <p:cNvSpPr/>
           <p:nvPr/>
         </p:nvSpPr>
         <p:spPr>
           <a:xfrm>
-            <a:off x="2514600" y="3429000"/>
-            <a:ext cx="2286000" cy="848880"/>
+            <a:off x="685800" y="4480560"/>
+            <a:ext cx="6400800" cy="950400"/>
           </a:xfrm>
           <a:prstGeom prst="rect">
             <a:avLst/>
@@ -2316,13 +2397,58 @@
           <a:p>
             <a:pPr algn="ctr"/>
             <a:r>
-              <a:rPr b="1" lang="en-US" sz="1600" spc="-1" strike="noStrike">
-                <a:solidFill>
-                  <a:srgbClr val="000000"/>
-                </a:solidFill>
-                <a:latin typeface="Arial"/>
-              </a:rPr>
-              <a:t>AMD ROCM</a:t>
+              <a:rPr b="1" lang="en-US" sz="1800" spc="-1" strike="noStrike">
+                <a:solidFill>
+                  <a:srgbClr val="000000"/>
+                </a:solidFill>
+                <a:latin typeface="Arial"/>
+              </a:rPr>
+              <a:t>Compilers</a:t>
+            </a:r>
+            <a:endParaRPr b="0" lang="en-US" sz="1800" spc="-1" strike="noStrike">
+              <a:solidFill>
+                <a:srgbClr val="000000"/>
+              </a:solidFill>
+              <a:latin typeface="Arial"/>
+            </a:endParaRPr>
+          </a:p>
+          <a:p>
+            <a:pPr algn="ctr"/>
+            <a:endParaRPr b="0" lang="en-US" sz="1800" spc="-1" strike="noStrike">
+              <a:solidFill>
+                <a:srgbClr val="000000"/>
+              </a:solidFill>
+              <a:latin typeface="Arial"/>
+            </a:endParaRPr>
+          </a:p>
+          <a:p>
+            <a:pPr algn="ctr"/>
+            <a:r>
+              <a:rPr b="0" lang="en-US" sz="1600" spc="-1" strike="noStrike">
+                <a:solidFill>
+                  <a:srgbClr val="000000"/>
+                </a:solidFill>
+                <a:latin typeface="Arial"/>
+              </a:rPr>
+              <a:t>ROCm llvm/clang, </a:t>
+            </a:r>
+            <a:r>
+              <a:rPr b="0" lang="en-US" sz="1600" spc="-1" strike="noStrike">
+                <a:solidFill>
+                  <a:srgbClr val="000000"/>
+                </a:solidFill>
+                <a:latin typeface="Arial"/>
+              </a:rPr>
+              <a:t>ROCm HIPCC, OpenAi </a:t>
+            </a:r>
+            <a:r>
+              <a:rPr b="0" lang="en-US" sz="1600" spc="-1" strike="noStrike">
+                <a:solidFill>
+                  <a:srgbClr val="000000"/>
+                </a:solidFill>
+                <a:latin typeface="Arial"/>
+              </a:rPr>
+              <a:t>Triton, Flang</a:t>
             </a:r>
             <a:endParaRPr b="0" lang="en-US" sz="1600" spc="-1" strike="noStrike">
               <a:solidFill>
@@ -2331,36 +2457,18 @@
               <a:latin typeface="Arial"/>
             </a:endParaRPr>
           </a:p>
-          <a:p>
-            <a:pPr algn="ctr"/>
-            <a:r>
-              <a:rPr b="0" lang="en-US" sz="1400" spc="-1" strike="noStrike">
-                <a:solidFill>
-                  <a:srgbClr val="000000"/>
-                </a:solidFill>
-                <a:latin typeface="Arial"/>
-              </a:rPr>
-              <a:t>Radeon GPU Optimized libraries</a:t>
-            </a:r>
-            <a:endParaRPr b="0" lang="en-US" sz="1400" spc="-1" strike="noStrike">
-              <a:solidFill>
-                <a:srgbClr val="000000"/>
-              </a:solidFill>
-              <a:latin typeface="Arial"/>
-            </a:endParaRPr>
-          </a:p>
-        </p:txBody>
-      </p:sp>
-      <p:sp>
-        <p:nvSpPr>
-          <p:cNvPr id="31" name=""/>
+        </p:txBody>
+      </p:sp>
+      <p:sp>
+        <p:nvSpPr>
+          <p:cNvPr id="30" name=""/>
           <p:cNvSpPr/>
           <p:nvPr/>
         </p:nvSpPr>
         <p:spPr>
           <a:xfrm>
-            <a:off x="457200" y="2021400"/>
-            <a:ext cx="2971800" cy="1179000"/>
+            <a:off x="2743200" y="3383280"/>
+            <a:ext cx="2286000" cy="848880"/>
           </a:xfrm>
           <a:prstGeom prst="rect">
             <a:avLst/>
@@ -2387,15 +2495,15 @@
           <a:p>
             <a:pPr algn="ctr"/>
             <a:r>
-              <a:rPr b="1" lang="en-US" sz="1800" spc="-1" strike="noStrike">
-                <a:solidFill>
-                  <a:srgbClr val="000000"/>
-                </a:solidFill>
-                <a:latin typeface="Arial"/>
-              </a:rPr>
-              <a:t>Tracing Tools</a:t>
-            </a:r>
-            <a:endParaRPr b="0" lang="en-US" sz="1800" spc="-1" strike="noStrike">
+              <a:rPr b="1" lang="en-US" sz="1600" spc="-1" strike="noStrike">
+                <a:solidFill>
+                  <a:srgbClr val="000000"/>
+                </a:solidFill>
+                <a:latin typeface="Arial"/>
+              </a:rPr>
+              <a:t>AMD ROCM</a:t>
+            </a:r>
+            <a:endParaRPr b="0" lang="en-US" sz="1600" spc="-1" strike="noStrike">
               <a:solidFill>
                 <a:srgbClr val="000000"/>
               </a:solidFill>
@@ -2411,7 +2519,7 @@
                 </a:solidFill>
                 <a:latin typeface="Arial"/>
               </a:rPr>
-              <a:t>valgrind</a:t>
+              <a:t>Radeon GPU Optimized</a:t>
             </a:r>
             <a:endParaRPr b="0" lang="en-US" sz="1400" spc="-1" strike="noStrike">
               <a:solidFill>
@@ -2420,81 +2528,18 @@
               <a:latin typeface="Arial"/>
             </a:endParaRPr>
           </a:p>
-          <a:p>
-            <a:pPr algn="ctr"/>
-            <a:r>
-              <a:rPr b="0" lang="en-US" sz="1400" spc="-1" strike="noStrike">
-                <a:solidFill>
-                  <a:srgbClr val="000000"/>
-                </a:solidFill>
-                <a:latin typeface="Arial"/>
-              </a:rPr>
-              <a:t>omnitrace, omniperf, rocprofiler,</a:t>
-            </a:r>
-            <a:endParaRPr b="0" lang="en-US" sz="1400" spc="-1" strike="noStrike">
-              <a:solidFill>
-                <a:srgbClr val="000000"/>
-              </a:solidFill>
-              <a:latin typeface="Arial"/>
-            </a:endParaRPr>
-          </a:p>
-          <a:p>
-            <a:pPr algn="ctr"/>
-            <a:r>
-              <a:rPr b="0" lang="en-US" sz="1400" spc="-1" strike="noStrike">
-                <a:solidFill>
-                  <a:srgbClr val="000000"/>
-                </a:solidFill>
-                <a:latin typeface="Arial"/>
-              </a:rPr>
-              <a:t>rocm-smi, amd-smi,</a:t>
-            </a:r>
-            <a:endParaRPr b="0" lang="en-US" sz="1400" spc="-1" strike="noStrike">
-              <a:solidFill>
-                <a:srgbClr val="000000"/>
-              </a:solidFill>
-              <a:latin typeface="Arial"/>
-            </a:endParaRPr>
-          </a:p>
-          <a:p>
-            <a:pPr algn="ctr"/>
-            <a:r>
-              <a:rPr b="0" lang="en-US" sz="1400" spc="-1" strike="noStrike">
-                <a:solidFill>
-                  <a:srgbClr val="000000"/>
-                </a:solidFill>
-                <a:latin typeface="Arial"/>
-              </a:rPr>
-              <a:t>nvtop, rocgdb, corectrl</a:t>
-            </a:r>
-            <a:endParaRPr b="0" lang="en-US" sz="1400" spc="-1" strike="noStrike">
-              <a:solidFill>
-                <a:srgbClr val="000000"/>
-              </a:solidFill>
-              <a:latin typeface="Arial"/>
-            </a:endParaRPr>
-          </a:p>
-          <a:p>
-            <a:pPr algn="ctr"/>
-            <a:endParaRPr b="0" lang="en-US" sz="1400" spc="-1" strike="noStrike">
-              <a:solidFill>
-                <a:srgbClr val="000000"/>
-              </a:solidFill>
-              <a:latin typeface="Arial"/>
-            </a:endParaRPr>
-          </a:p>
-        </p:txBody>
-      </p:sp>
-      <p:sp>
-        <p:nvSpPr>
-          <p:cNvPr id="32" name=""/>
+        </p:txBody>
+      </p:sp>
+      <p:sp>
+        <p:nvSpPr>
+          <p:cNvPr id="31" name=""/>
           <p:cNvSpPr/>
           <p:nvPr/>
         </p:nvSpPr>
         <p:spPr>
           <a:xfrm>
-            <a:off x="3657600" y="2057400"/>
-            <a:ext cx="1828800" cy="1179000"/>
+            <a:off x="656640" y="2011680"/>
+            <a:ext cx="2743200" cy="1179000"/>
           </a:xfrm>
           <a:prstGeom prst="rect">
             <a:avLst/>
@@ -2527,17 +2572,35 @@
                 </a:solidFill>
                 <a:latin typeface="Arial"/>
               </a:rPr>
-              <a:t>AI-RT</a:t>
-            </a:r>
-            <a:endParaRPr b="0" lang="en-US" sz="1800" spc="-1" strike="noStrike">
-              <a:solidFill>
-                <a:srgbClr val="000000"/>
-              </a:solidFill>
-              <a:latin typeface="Arial"/>
-            </a:endParaRPr>
-          </a:p>
-          <a:p>
-            <a:pPr algn="ctr"/>
+              <a:t>Tracing Tools</a:t>
+            </a:r>
+            <a:endParaRPr b="0" lang="en-US" sz="1800" spc="-1" strike="noStrike">
+              <a:solidFill>
+                <a:srgbClr val="000000"/>
+              </a:solidFill>
+              <a:latin typeface="Arial"/>
+            </a:endParaRPr>
+          </a:p>
+          <a:p>
+            <a:pPr algn="ctr"/>
+            <a:endParaRPr b="0" lang="en-US" sz="1800" spc="-1" strike="noStrike">
+              <a:solidFill>
+                <a:srgbClr val="000000"/>
+              </a:solidFill>
+              <a:latin typeface="Arial"/>
+            </a:endParaRPr>
+          </a:p>
+          <a:p>
+            <a:pPr algn="ctr"/>
+            <a:r>
+              <a:rPr b="0" lang="en-US" sz="1400" spc="-1" strike="noStrike">
+                <a:solidFill>
+                  <a:srgbClr val="000000"/>
+                </a:solidFill>
+                <a:latin typeface="Arial"/>
+              </a:rPr>
+              <a:t>omnitrace, omniperf, rocprofiler,</a:t>
+            </a:r>
             <a:endParaRPr b="0" lang="en-US" sz="1400" spc="-1" strike="noStrike">
               <a:solidFill>
                 <a:srgbClr val="000000"/>
@@ -2554,7 +2617,7 @@
                 </a:solidFill>
                 <a:latin typeface="Arial"/>
               </a:rPr>
-              <a:t>Pytorch 2.4.1, onnxruntime, jax,</a:t>
+              <a:t>rocm-smi, amd-smi,</a:t>
             </a:r>
             <a:endParaRPr b="0" lang="en-US" sz="1400" spc="-1" strike="noStrike">
               <a:solidFill>
@@ -2572,7 +2635,7 @@
                 </a:solidFill>
                 <a:latin typeface="Arial"/>
               </a:rPr>
-              <a:t>deepspeed</a:t>
+              <a:t>nvtop, rocgdb, corectrl</a:t>
             </a:r>
             <a:endParaRPr b="0" lang="en-US" sz="1400" spc="-1" strike="noStrike">
               <a:solidFill>
@@ -2581,17 +2644,26 @@
               <a:latin typeface="Arial"/>
             </a:endParaRPr>
           </a:p>
-        </p:txBody>
-      </p:sp>
-      <p:sp>
-        <p:nvSpPr>
-          <p:cNvPr id="33" name=""/>
+          <a:p>
+            <a:pPr algn="ctr"/>
+            <a:endParaRPr b="0" lang="en-US" sz="1400" spc="-1" strike="noStrike">
+              <a:solidFill>
+                <a:srgbClr val="000000"/>
+              </a:solidFill>
+              <a:latin typeface="Arial"/>
+            </a:endParaRPr>
+          </a:p>
+        </p:txBody>
+      </p:sp>
+      <p:sp>
+        <p:nvSpPr>
+          <p:cNvPr id="32" name=""/>
           <p:cNvSpPr/>
           <p:nvPr/>
         </p:nvSpPr>
         <p:spPr>
           <a:xfrm>
-            <a:off x="7772400" y="2057400"/>
+            <a:off x="3598920" y="2011680"/>
             <a:ext cx="1828800" cy="1179000"/>
           </a:xfrm>
           <a:prstGeom prst="rect">
@@ -2625,7 +2697,7 @@
                 </a:solidFill>
                 <a:latin typeface="Arial"/>
               </a:rPr>
-              <a:t>HTCP</a:t>
+              <a:t>AI-RT</a:t>
             </a:r>
             <a:endParaRPr b="0" lang="en-US" sz="1800" spc="-1" strike="noStrike">
               <a:solidFill>
@@ -2652,7 +2724,7 @@
                 </a:solidFill>
                 <a:latin typeface="Arial"/>
               </a:rPr>
-              <a:t>slurm, openmpi,</a:t>
+              <a:t>pytorch 2.4.1, onnxruntime, jax,</a:t>
             </a:r>
             <a:endParaRPr b="0" lang="en-US" sz="1400" spc="-1" strike="noStrike">
               <a:solidFill>
@@ -2670,7 +2742,7 @@
                 </a:solidFill>
                 <a:latin typeface="Arial"/>
               </a:rPr>
-              <a:t>openucc, openucx</a:t>
+              <a:t>deepspeed</a:t>
             </a:r>
             <a:endParaRPr b="0" lang="en-US" sz="1400" spc="-1" strike="noStrike">
               <a:solidFill>
@@ -2683,14 +2755,14 @@
       </p:sp>
       <p:sp>
         <p:nvSpPr>
-          <p:cNvPr id="34" name=""/>
+          <p:cNvPr id="33" name=""/>
           <p:cNvSpPr/>
           <p:nvPr/>
         </p:nvSpPr>
         <p:spPr>
           <a:xfrm>
-            <a:off x="431640" y="1143000"/>
-            <a:ext cx="9144000" cy="685800"/>
+            <a:off x="7772400" y="2011680"/>
+            <a:ext cx="1828800" cy="1179000"/>
           </a:xfrm>
           <a:prstGeom prst="rect">
             <a:avLst/>
@@ -2723,9 +2795,18 @@
                 </a:solidFill>
                 <a:latin typeface="Arial"/>
               </a:rPr>
-              <a:t>Extra Apps and Libraries</a:t>
-            </a:r>
-            <a:endParaRPr b="0" lang="en-US" sz="1800" spc="-1" strike="noStrike">
+              <a:t>HTCP</a:t>
+            </a:r>
+            <a:endParaRPr b="0" lang="en-US" sz="1800" spc="-1" strike="noStrike">
+              <a:solidFill>
+                <a:srgbClr val="000000"/>
+              </a:solidFill>
+              <a:latin typeface="Arial"/>
+            </a:endParaRPr>
+          </a:p>
+          <a:p>
+            <a:pPr algn="ctr"/>
+            <a:endParaRPr b="0" lang="en-US" sz="1400" spc="-1" strike="noStrike">
               <a:solidFill>
                 <a:srgbClr val="000000"/>
               </a:solidFill>
@@ -2741,7 +2822,7 @@
                 </a:solidFill>
                 <a:latin typeface="Arial"/>
               </a:rPr>
-              <a:t>AMD Tracing Tools, VLLM, Llama-CPP, Stable-Diffusion-Webui, Jax</a:t>
+              <a:t>slurm, openmpi,</a:t>
             </a:r>
             <a:endParaRPr b="0" lang="en-US" sz="1400" spc="-1" strike="noStrike">
               <a:solidFill>
@@ -2750,25 +2831,51 @@
               <a:latin typeface="Arial"/>
             </a:endParaRPr>
           </a:p>
-        </p:txBody>
-      </p:sp>
-      <p:sp>
-        <p:nvSpPr>
-          <p:cNvPr id="35" name=""/>
+          <a:p>
+            <a:pPr algn="ctr"/>
+            <a:r>
+              <a:rPr b="0" lang="en-US" sz="1400" spc="-1" strike="noStrike">
+                <a:solidFill>
+                  <a:srgbClr val="000000"/>
+                </a:solidFill>
+                <a:latin typeface="Arial"/>
+              </a:rPr>
+              <a:t>openucc, openucx</a:t>
+            </a:r>
+            <a:endParaRPr b="0" lang="en-US" sz="1400" spc="-1" strike="noStrike">
+              <a:solidFill>
+                <a:srgbClr val="000000"/>
+              </a:solidFill>
+              <a:latin typeface="Arial"/>
+            </a:endParaRPr>
+          </a:p>
+        </p:txBody>
+      </p:sp>
+      <p:sp>
+        <p:nvSpPr>
+          <p:cNvPr id="34" name=""/>
           <p:cNvSpPr/>
           <p:nvPr/>
         </p:nvSpPr>
         <p:spPr>
           <a:xfrm>
-            <a:off x="5715000" y="2057400"/>
-            <a:ext cx="1828800" cy="1179000"/>
-          </a:xfrm>
-          <a:prstGeom prst="rect">
-            <a:avLst/>
-          </a:prstGeom>
-          <a:solidFill>
-            <a:srgbClr val="ffffff"/>
-          </a:solidFill>
+            <a:off x="254160" y="228600"/>
+            <a:ext cx="9575640" cy="1401120"/>
+          </a:xfrm>
+          <a:prstGeom prst="rect">
+            <a:avLst/>
+          </a:prstGeom>
+          <a:gradFill rotWithShape="0">
+            <a:gsLst>
+              <a:gs pos="0">
+                <a:srgbClr val="dde8cb"/>
+              </a:gs>
+              <a:gs pos="100000">
+                <a:srgbClr val="b3cac7"/>
+              </a:gs>
+            </a:gsLst>
+            <a:lin ang="3600000"/>
+          </a:gradFill>
           <a:ln w="0">
             <a:solidFill>
               <a:srgbClr val="3465a4"/>
@@ -2794,54 +2901,54 @@
                 </a:solidFill>
                 <a:latin typeface="Arial"/>
               </a:rPr>
-              <a:t>Languages</a:t>
-            </a:r>
-            <a:endParaRPr b="0" lang="en-US" sz="1800" spc="-1" strike="noStrike">
-              <a:solidFill>
-                <a:srgbClr val="000000"/>
-              </a:solidFill>
-              <a:latin typeface="Arial"/>
-            </a:endParaRPr>
-          </a:p>
-          <a:p>
-            <a:pPr algn="ctr"/>
-            <a:endParaRPr b="0" lang="en-US" sz="1400" spc="-1" strike="noStrike">
-              <a:solidFill>
-                <a:srgbClr val="000000"/>
-              </a:solidFill>
-              <a:latin typeface="Arial"/>
-            </a:endParaRPr>
-          </a:p>
-          <a:p>
-            <a:pPr algn="ctr"/>
-            <a:r>
-              <a:rPr b="0" lang="en-US" sz="1400" spc="-1" strike="noStrike">
-                <a:solidFill>
-                  <a:srgbClr val="000000"/>
-                </a:solidFill>
-                <a:latin typeface="Arial"/>
-              </a:rPr>
-              <a:t>python 3.11, opencl, ROCR, HIP, CUDA, fortran</a:t>
-            </a:r>
-            <a:endParaRPr b="0" lang="en-US" sz="1400" spc="-1" strike="noStrike">
-              <a:solidFill>
-                <a:srgbClr val="000000"/>
-              </a:solidFill>
-              <a:latin typeface="Arial"/>
-            </a:endParaRPr>
-          </a:p>
-        </p:txBody>
-      </p:sp>
-      <p:sp>
-        <p:nvSpPr>
-          <p:cNvPr id="36" name=""/>
+              <a:t>ROCM SDK </a:t>
+            </a:r>
+            <a:r>
+              <a:rPr b="1" lang="en-US" sz="1800" spc="-1" strike="noStrike">
+                <a:solidFill>
+                  <a:srgbClr val="000000"/>
+                </a:solidFill>
+                <a:latin typeface="Arial"/>
+              </a:rPr>
+              <a:t>BUILDER EXTRA </a:t>
+            </a:r>
+            <a:r>
+              <a:rPr b="1" lang="en-US" sz="1800" spc="-1" strike="noStrike">
+                <a:solidFill>
+                  <a:srgbClr val="000000"/>
+                </a:solidFill>
+                <a:latin typeface="Arial"/>
+              </a:rPr>
+              <a:t>APPS AND LIBS</a:t>
+            </a:r>
+            <a:endParaRPr b="0" lang="en-US" sz="1800" spc="-1" strike="noStrike">
+              <a:solidFill>
+                <a:srgbClr val="000000"/>
+              </a:solidFill>
+              <a:latin typeface="Arial"/>
+            </a:endParaRPr>
+          </a:p>
+          <a:p>
+            <a:pPr algn="ctr"/>
+            <a:endParaRPr b="0" lang="en-US" sz="1600" spc="-1" strike="noStrike">
+              <a:solidFill>
+                <a:srgbClr val="000000"/>
+              </a:solidFill>
+              <a:latin typeface="Arial"/>
+            </a:endParaRPr>
+          </a:p>
+        </p:txBody>
+      </p:sp>
+      <p:sp>
+        <p:nvSpPr>
+          <p:cNvPr id="35" name=""/>
           <p:cNvSpPr/>
           <p:nvPr/>
         </p:nvSpPr>
         <p:spPr>
           <a:xfrm>
-            <a:off x="457200" y="3429000"/>
-            <a:ext cx="1828800" cy="848880"/>
+            <a:off x="5715000" y="2011680"/>
+            <a:ext cx="1828800" cy="1179000"/>
           </a:xfrm>
           <a:prstGeom prst="rect">
             <a:avLst/>
@@ -2874,27 +2981,54 @@
                 </a:solidFill>
                 <a:latin typeface="Arial"/>
               </a:rPr>
-              <a:t>Linux Distro Independent Environment</a:t>
-            </a:r>
-            <a:endParaRPr b="1" lang="en-US" sz="1800" spc="-1" strike="noStrike">
-              <a:solidFill>
-                <a:srgbClr val="000000"/>
-              </a:solidFill>
-              <a:latin typeface="Arial"/>
-            </a:endParaRPr>
-          </a:p>
-        </p:txBody>
-      </p:sp>
-      <p:sp>
-        <p:nvSpPr>
-          <p:cNvPr id="37" name=""/>
+              <a:t>Languages</a:t>
+            </a:r>
+            <a:endParaRPr b="0" lang="en-US" sz="1800" spc="-1" strike="noStrike">
+              <a:solidFill>
+                <a:srgbClr val="000000"/>
+              </a:solidFill>
+              <a:latin typeface="Arial"/>
+            </a:endParaRPr>
+          </a:p>
+          <a:p>
+            <a:pPr algn="ctr"/>
+            <a:endParaRPr b="0" lang="en-US" sz="1400" spc="-1" strike="noStrike">
+              <a:solidFill>
+                <a:srgbClr val="000000"/>
+              </a:solidFill>
+              <a:latin typeface="Arial"/>
+            </a:endParaRPr>
+          </a:p>
+          <a:p>
+            <a:pPr algn="ctr"/>
+            <a:r>
+              <a:rPr b="0" lang="en-US" sz="1400" spc="-1" strike="noStrike">
+                <a:solidFill>
+                  <a:srgbClr val="000000"/>
+                </a:solidFill>
+                <a:latin typeface="Arial"/>
+              </a:rPr>
+              <a:t>python 3.11, opencl, ROCR, HIP, CUDA, fortran</a:t>
+            </a:r>
+            <a:endParaRPr b="0" lang="en-US" sz="1400" spc="-1" strike="noStrike">
+              <a:solidFill>
+                <a:srgbClr val="000000"/>
+              </a:solidFill>
+              <a:latin typeface="Arial"/>
+            </a:endParaRPr>
+          </a:p>
+        </p:txBody>
+      </p:sp>
+      <p:sp>
+        <p:nvSpPr>
+          <p:cNvPr id="36" name=""/>
           <p:cNvSpPr/>
           <p:nvPr/>
         </p:nvSpPr>
         <p:spPr>
           <a:xfrm>
-            <a:off x="5029200" y="3429000"/>
-            <a:ext cx="2057400" cy="848880"/>
+            <a:off x="685800" y="3383280"/>
+            <a:ext cx="1828800" cy="848880"/>
           </a:xfrm>
           <a:prstGeom prst="rect">
             <a:avLst/>
@@ -2927,45 +3061,36 @@
                 </a:solidFill>
                 <a:latin typeface="Arial"/>
               </a:rPr>
-              <a:t>Third-Party Apps</a:t>
-            </a:r>
-            <a:endParaRPr b="0" lang="en-US" sz="1800" spc="-1" strike="noStrike">
-              <a:solidFill>
-                <a:srgbClr val="000000"/>
-              </a:solidFill>
-              <a:latin typeface="Arial"/>
-            </a:endParaRPr>
-          </a:p>
-          <a:p>
-            <a:pPr algn="ctr"/>
-            <a:r>
-              <a:rPr b="0" lang="en-US" sz="1400" spc="-1" strike="noStrike">
-                <a:solidFill>
-                  <a:srgbClr val="000000"/>
-                </a:solidFill>
-                <a:latin typeface="Arial"/>
-              </a:rPr>
-              <a:t>OpenBLAS,Eigen,FrugallyDeep, Magma,...</a:t>
-            </a:r>
-            <a:endParaRPr b="0" lang="en-US" sz="1400" spc="-1" strike="noStrike">
-              <a:solidFill>
-                <a:srgbClr val="000000"/>
-              </a:solidFill>
-              <a:latin typeface="Arial"/>
-            </a:endParaRPr>
-          </a:p>
-        </p:txBody>
-      </p:sp>
-      <p:sp>
-        <p:nvSpPr>
-          <p:cNvPr id="38" name=""/>
+              <a:t>Linux Distributions </a:t>
+            </a:r>
+            <a:r>
+              <a:rPr b="0" lang="en-US" sz="1600" spc="-1" strike="noStrike">
+                <a:solidFill>
+                  <a:srgbClr val="000000"/>
+                </a:solidFill>
+                <a:latin typeface="Arial"/>
+              </a:rPr>
+              <a:t>Multiple</a:t>
+            </a:r>
+            <a:endParaRPr b="1" lang="en-US" sz="1600" spc="-1" strike="noStrike">
+              <a:solidFill>
+                <a:srgbClr val="000000"/>
+              </a:solidFill>
+              <a:latin typeface="Arial"/>
+            </a:endParaRPr>
+          </a:p>
+        </p:txBody>
+      </p:sp>
+      <p:sp>
+        <p:nvSpPr>
+          <p:cNvPr id="37" name=""/>
           <p:cNvSpPr/>
           <p:nvPr/>
         </p:nvSpPr>
         <p:spPr>
           <a:xfrm>
-            <a:off x="7315200" y="3429000"/>
-            <a:ext cx="2286000" cy="848880"/>
+            <a:off x="5148000" y="3383280"/>
+            <a:ext cx="2057400" cy="848880"/>
           </a:xfrm>
           <a:prstGeom prst="rect">
             <a:avLst/>
@@ -2998,7 +3123,7 @@
                 </a:solidFill>
                 <a:latin typeface="Arial"/>
               </a:rPr>
-              <a:t>Example Apps</a:t>
+              <a:t>Third-Party Apps</a:t>
             </a:r>
             <a:endParaRPr b="0" lang="en-US" sz="1800" spc="-1" strike="noStrike">
               <a:solidFill>
@@ -3016,7 +3141,7 @@
                 </a:solidFill>
                 <a:latin typeface="Arial"/>
               </a:rPr>
-              <a:t>pytorch, Hipcc, opencl, openmpi, benchmarks</a:t>
+              <a:t>OpenBLAS,Eigen,FrugallyDeep, Magma,...</a:t>
             </a:r>
             <a:endParaRPr b="0" lang="en-US" sz="1400" spc="-1" strike="noStrike">
               <a:solidFill>
@@ -3029,14 +3154,14 @@
       </p:sp>
       <p:sp>
         <p:nvSpPr>
-          <p:cNvPr id="39" name=""/>
+          <p:cNvPr id="38" name=""/>
           <p:cNvSpPr/>
           <p:nvPr/>
         </p:nvSpPr>
         <p:spPr>
           <a:xfrm>
-            <a:off x="7315200" y="4572000"/>
-            <a:ext cx="2286000" cy="950400"/>
+            <a:off x="7315200" y="3383280"/>
+            <a:ext cx="2286000" cy="848880"/>
           </a:xfrm>
           <a:prstGeom prst="rect">
             <a:avLst/>
@@ -3069,9 +3194,259 @@
                 </a:solidFill>
                 <a:latin typeface="Arial"/>
               </a:rPr>
-              <a:t>ML Model Repository</a:t>
-            </a:r>
-            <a:endParaRPr b="0" lang="en-US" sz="1800" spc="-1" strike="noStrike">
+              <a:t>Coding Examples</a:t>
+            </a:r>
+            <a:endParaRPr b="0" lang="en-US" sz="1800" spc="-1" strike="noStrike">
+              <a:solidFill>
+                <a:srgbClr val="000000"/>
+              </a:solidFill>
+              <a:latin typeface="Arial"/>
+            </a:endParaRPr>
+          </a:p>
+          <a:p>
+            <a:pPr algn="ctr"/>
+            <a:r>
+              <a:rPr b="0" lang="en-US" sz="1400" spc="-1" strike="noStrike">
+                <a:solidFill>
+                  <a:srgbClr val="000000"/>
+                </a:solidFill>
+                <a:latin typeface="Arial"/>
+              </a:rPr>
+              <a:t>pytorch, hipcc, opencl, openmpi, llm, benchmarks</a:t>
+            </a:r>
+            <a:endParaRPr b="0" lang="en-US" sz="1400" spc="-1" strike="noStrike">
+              <a:solidFill>
+                <a:srgbClr val="000000"/>
+              </a:solidFill>
+              <a:latin typeface="Arial"/>
+            </a:endParaRPr>
+          </a:p>
+        </p:txBody>
+      </p:sp>
+      <p:sp>
+        <p:nvSpPr>
+          <p:cNvPr id="39" name=""/>
+          <p:cNvSpPr/>
+          <p:nvPr/>
+        </p:nvSpPr>
+        <p:spPr>
+          <a:xfrm>
+            <a:off x="7315200" y="4480560"/>
+            <a:ext cx="2286000" cy="914400"/>
+          </a:xfrm>
+          <a:prstGeom prst="rect">
+            <a:avLst/>
+          </a:prstGeom>
+          <a:solidFill>
+            <a:srgbClr val="ffffff"/>
+          </a:solidFill>
+          <a:ln w="0">
+            <a:solidFill>
+              <a:srgbClr val="3465a4"/>
+            </a:solidFill>
+          </a:ln>
+        </p:spPr>
+        <p:style>
+          <a:lnRef idx="0"/>
+          <a:fillRef idx="0"/>
+          <a:effectRef idx="0"/>
+          <a:fontRef idx="minor"/>
+        </p:style>
+        <p:txBody>
+          <a:bodyPr lIns="90000" rIns="90000" tIns="45000" bIns="45000" anchor="t">
+            <a:noAutofit/>
+          </a:bodyPr>
+          <a:p>
+            <a:pPr algn="ctr"/>
+            <a:r>
+              <a:rPr b="1" lang="en-US" sz="1800" spc="-1" strike="noStrike">
+                <a:solidFill>
+                  <a:srgbClr val="000000"/>
+                </a:solidFill>
+                <a:latin typeface="Arial"/>
+              </a:rPr>
+              <a:t>ML Models </a:t>
+            </a:r>
+            <a:endParaRPr b="0" lang="en-US" sz="1800" spc="-1" strike="noStrike">
+              <a:solidFill>
+                <a:srgbClr val="000000"/>
+              </a:solidFill>
+              <a:latin typeface="Arial"/>
+            </a:endParaRPr>
+          </a:p>
+          <a:p>
+            <a:pPr algn="ctr"/>
+            <a:r>
+              <a:rPr b="0" lang="en-US" sz="1600" spc="-1" strike="noStrike">
+                <a:solidFill>
+                  <a:srgbClr val="000000"/>
+                </a:solidFill>
+                <a:latin typeface="Arial"/>
+              </a:rPr>
+              <a:t>Common location for apps and examples</a:t>
+            </a:r>
+            <a:endParaRPr b="0" lang="en-US" sz="1600" spc="-1" strike="noStrike">
+              <a:solidFill>
+                <a:srgbClr val="000000"/>
+              </a:solidFill>
+              <a:latin typeface="Arial"/>
+            </a:endParaRPr>
+          </a:p>
+        </p:txBody>
+      </p:sp>
+      <p:sp>
+        <p:nvSpPr>
+          <p:cNvPr id="40" name=""/>
+          <p:cNvSpPr/>
+          <p:nvPr/>
+        </p:nvSpPr>
+        <p:spPr>
+          <a:xfrm>
+            <a:off x="671400" y="777240"/>
+            <a:ext cx="8915400" cy="594360"/>
+          </a:xfrm>
+          <a:prstGeom prst="rect">
+            <a:avLst/>
+          </a:prstGeom>
+          <a:solidFill>
+            <a:srgbClr val="ffffff"/>
+          </a:solidFill>
+          <a:ln w="0">
+            <a:solidFill>
+              <a:srgbClr val="3465a4"/>
+            </a:solidFill>
+          </a:ln>
+        </p:spPr>
+        <p:style>
+          <a:lnRef idx="0"/>
+          <a:fillRef idx="0"/>
+          <a:effectRef idx="0"/>
+          <a:fontRef idx="minor"/>
+        </p:style>
+        <p:txBody>
+          <a:bodyPr lIns="90000" rIns="90000" tIns="45000" bIns="45000" anchor="t">
+            <a:noAutofit/>
+          </a:bodyPr>
+          <a:p>
+            <a:pPr algn="ctr">
+              <a:lnSpc>
+                <a:spcPct val="100000"/>
+              </a:lnSpc>
+            </a:pPr>
+            <a:r>
+              <a:rPr b="0" lang="en-US" sz="1600" spc="-1" strike="noStrike">
+                <a:solidFill>
+                  <a:srgbClr val="000000"/>
+                </a:solidFill>
+                <a:latin typeface="Arial"/>
+                <a:ea typeface="Unifont"/>
+              </a:rPr>
+              <a:t>Easy to add </a:t>
+            </a:r>
+            <a:r>
+              <a:rPr b="0" lang="en-US" sz="1600" spc="-1" strike="noStrike">
+                <a:solidFill>
+                  <a:srgbClr val="000000"/>
+                </a:solidFill>
+                <a:latin typeface="Arial"/>
+                <a:ea typeface="Unifont"/>
+              </a:rPr>
+              <a:t>new by using </a:t>
+            </a:r>
+            <a:r>
+              <a:rPr b="0" lang="en-US" sz="1600" spc="-1" strike="noStrike">
+                <a:solidFill>
+                  <a:srgbClr val="000000"/>
+                </a:solidFill>
+                <a:latin typeface="Arial"/>
+                <a:ea typeface="Unifont"/>
+              </a:rPr>
+              <a:t>blist and binfo </a:t>
+            </a:r>
+            <a:r>
+              <a:rPr b="0" lang="en-US" sz="1600" spc="-1" strike="noStrike">
+                <a:solidFill>
+                  <a:srgbClr val="000000"/>
+                </a:solidFill>
+                <a:latin typeface="Arial"/>
+                <a:ea typeface="Unifont"/>
+              </a:rPr>
+              <a:t>files.</a:t>
+            </a:r>
+            <a:endParaRPr b="0" lang="en-US" sz="1600" spc="-1" strike="noStrike">
+              <a:solidFill>
+                <a:srgbClr val="000000"/>
+              </a:solidFill>
+              <a:latin typeface="Arial"/>
+            </a:endParaRPr>
+          </a:p>
+          <a:p>
+            <a:pPr algn="ctr">
+              <a:lnSpc>
+                <a:spcPct val="100000"/>
+              </a:lnSpc>
+            </a:pPr>
+            <a:r>
+              <a:rPr b="0" lang="en-US" sz="1600" spc="-1" strike="noStrike">
+                <a:solidFill>
+                  <a:srgbClr val="000000"/>
+                </a:solidFill>
+                <a:latin typeface="Arial"/>
+                <a:ea typeface="Unifont"/>
+              </a:rPr>
+              <a:t>VLLM, llama-</a:t>
+            </a:r>
+            <a:r>
+              <a:rPr b="0" lang="en-US" sz="1600" spc="-1" strike="noStrike">
+                <a:solidFill>
+                  <a:srgbClr val="000000"/>
+                </a:solidFill>
+                <a:latin typeface="Arial"/>
+                <a:ea typeface="Unifont"/>
+              </a:rPr>
+              <a:t>cpp, stable-</a:t>
+            </a:r>
+            <a:r>
+              <a:rPr b="0" lang="en-US" sz="1600" spc="-1" strike="noStrike">
+                <a:solidFill>
+                  <a:srgbClr val="000000"/>
+                </a:solidFill>
+                <a:latin typeface="Arial"/>
+                <a:ea typeface="Unifont"/>
+              </a:rPr>
+              <a:t>diffusion-webui, </a:t>
+            </a:r>
+            <a:r>
+              <a:rPr b="0" lang="en-US" sz="1600" spc="-1" strike="noStrike">
+                <a:solidFill>
+                  <a:srgbClr val="000000"/>
+                </a:solidFill>
+                <a:latin typeface="Arial"/>
+                <a:ea typeface="Unifont"/>
+              </a:rPr>
+              <a:t>stable-diffusion-</a:t>
+            </a:r>
+            <a:r>
+              <a:rPr b="0" lang="en-US" sz="1600" spc="-1" strike="noStrike">
+                <a:solidFill>
+                  <a:srgbClr val="000000"/>
+                </a:solidFill>
+                <a:latin typeface="Arial"/>
+                <a:ea typeface="Unifont"/>
+              </a:rPr>
+              <a:t>cpp, JAX, </a:t>
+            </a:r>
+            <a:r>
+              <a:rPr b="0" lang="en-US" sz="1600" spc="-1" strike="noStrike">
+                <a:solidFill>
+                  <a:srgbClr val="000000"/>
+                </a:solidFill>
+                <a:latin typeface="Arial"/>
+                <a:ea typeface="Unifont"/>
+              </a:rPr>
+              <a:t>Tracing Tools,...</a:t>
+            </a:r>
+            <a:endParaRPr b="0" lang="en-US" sz="1600" spc="-1" strike="noStrike">
               <a:solidFill>
                 <a:srgbClr val="000000"/>
               </a:solidFill>
@@ -3112,7 +3487,7 @@
       </p:grpSpPr>
       <p:sp>
         <p:nvSpPr>
-          <p:cNvPr id="40" name="PlaceHolder 1"/>
+          <p:cNvPr id="41" name="PlaceHolder 1"/>
           <p:cNvSpPr>
             <a:spLocks noGrp="1"/>
           </p:cNvSpPr>
@@ -3161,7 +3536,7 @@
       </p:sp>
       <p:sp>
         <p:nvSpPr>
-          <p:cNvPr id="41" name="PlaceHolder 2"/>
+          <p:cNvPr id="42" name="PlaceHolder 2"/>
           <p:cNvSpPr>
             <a:spLocks noGrp="1"/>
           </p:cNvSpPr>
@@ -3288,8 +3663,18 @@
                   <a:srgbClr val="000000"/>
                 </a:solidFill>
                 <a:latin typeface="Arial"/>
-              </a:rPr>
-              <a:t>AI Tools (VLLM, Llama.cpp, Stable-Diffusion-WebUI)</a:t>
+                <a:ea typeface="Unifont"/>
+              </a:rPr>
+              <a:t>AI Tools (VLLM, Llama.cpp, </a:t>
+            </a:r>
+            <a:r>
+              <a:rPr b="0" lang="en-US" sz="1800" spc="-1" strike="noStrike">
+                <a:solidFill>
+                  <a:srgbClr val="000000"/>
+                </a:solidFill>
+                <a:latin typeface="Arial"/>
+              </a:rPr>
+              <a:t>Stable-Diffusion-cpp, Stable-Diffusion-WebUI)</a:t>
             </a:r>
             <a:endParaRPr b="0" lang="en-US" sz="1800" spc="-1" strike="noStrike">
               <a:solidFill>
@@ -3345,7 +3730,7 @@
                 </a:solidFill>
                 <a:latin typeface="Arial"/>
               </a:rPr>
-              <a:t>AMD Media Tools (rocDecode, rpp, MIVisionX)</a:t>
+              <a:t>AMD Media Tools (rocDecode, RPP, MIVisionX)</a:t>
             </a:r>
             <a:endParaRPr b="0" lang="en-US" sz="1800" spc="-1" strike="noStrike">
               <a:solidFill>
@@ -3416,7 +3801,7 @@
       </p:grpSpPr>
       <p:sp>
         <p:nvSpPr>
-          <p:cNvPr id="42" name="PlaceHolder 1"/>
+          <p:cNvPr id="43" name="PlaceHolder 1"/>
           <p:cNvSpPr>
             <a:spLocks noGrp="1"/>
           </p:cNvSpPr>
@@ -3465,7 +3850,7 @@
       </p:sp>
       <p:sp>
         <p:nvSpPr>
-          <p:cNvPr id="43" name="PlaceHolder 2"/>
+          <p:cNvPr id="44" name="PlaceHolder 2"/>
           <p:cNvSpPr>
             <a:spLocks noGrp="1"/>
           </p:cNvSpPr>
@@ -3636,7 +4021,7 @@
       </p:grpSpPr>
       <p:sp>
         <p:nvSpPr>
-          <p:cNvPr id="44" name="PlaceHolder 1"/>
+          <p:cNvPr id="45" name="PlaceHolder 1"/>
           <p:cNvSpPr>
             <a:spLocks noGrp="1"/>
           </p:cNvSpPr>
@@ -3685,7 +4070,7 @@
       </p:sp>
       <p:sp>
         <p:nvSpPr>
-          <p:cNvPr id="45" name="PlaceHolder 2"/>
+          <p:cNvPr id="46" name="PlaceHolder 2"/>
           <p:cNvSpPr>
             <a:spLocks noGrp="1"/>
           </p:cNvSpPr>
@@ -3968,7 +4353,7 @@
       </p:grpSpPr>
       <p:sp>
         <p:nvSpPr>
-          <p:cNvPr id="46" name="PlaceHolder 1"/>
+          <p:cNvPr id="47" name="PlaceHolder 1"/>
           <p:cNvSpPr>
             <a:spLocks noGrp="1"/>
           </p:cNvSpPr>
@@ -4017,7 +4402,7 @@
       </p:sp>
       <p:sp>
         <p:nvSpPr>
-          <p:cNvPr id="47" name="PlaceHolder 2"/>
+          <p:cNvPr id="48" name="PlaceHolder 2"/>
           <p:cNvSpPr>
             <a:spLocks noGrp="1"/>
           </p:cNvSpPr>
